--- a/Deliveries/Presentations/DD pres.pptx
+++ b/Deliveries/Presentations/DD pres.pptx
@@ -4226,7 +4226,15 @@
           <a:p>
             <a:r>
               <a:rPr lang="sr-Latn-RS" dirty="0" smtClean="0"/>
-              <a:t>High level architecture</a:t>
+              <a:t>High </a:t>
+            </a:r>
+            <a:r>
+              <a:rPr lang="sr-Latn-RS" smtClean="0"/>
+              <a:t>level </a:t>
+            </a:r>
+            <a:r>
+              <a:rPr lang="sr-Latn-RS" smtClean="0"/>
+              <a:t>architecture and component interaction</a:t>
             </a:r>
             <a:endParaRPr lang="sr-Latn-RS" dirty="0"/>
           </a:p>
@@ -4448,7 +4456,7 @@
           </a:p>
           <a:p>
             <a:r>
-              <a:rPr lang="sr-Latn-RS" smtClean="0"/>
+              <a:rPr lang="sr-Latn-RS" dirty="0" smtClean="0"/>
               <a:t>API for developers</a:t>
             </a:r>
             <a:endParaRPr lang="sr-Latn-RS" dirty="0"/>

--- a/Deliveries/Presentations/DD pres.pptx
+++ b/Deliveries/Presentations/DD pres.pptx
@@ -22,10 +22,11 @@
     <p:sldId id="270" r:id="rId16"/>
     <p:sldId id="271" r:id="rId17"/>
     <p:sldId id="272" r:id="rId18"/>
-    <p:sldId id="274" r:id="rId19"/>
-    <p:sldId id="275" r:id="rId20"/>
-    <p:sldId id="273" r:id="rId21"/>
-    <p:sldId id="276" r:id="rId22"/>
+    <p:sldId id="277" r:id="rId19"/>
+    <p:sldId id="274" r:id="rId20"/>
+    <p:sldId id="275" r:id="rId21"/>
+    <p:sldId id="273" r:id="rId22"/>
+    <p:sldId id="276" r:id="rId23"/>
   </p:sldIdLst>
   <p:sldSz cx="12192000" cy="6858000"/>
   <p:notesSz cx="6858000" cy="9144000"/>
@@ -4026,6 +4027,93 @@
           <a:p>
             <a:r>
               <a:rPr lang="sr-Latn-RS" dirty="0" smtClean="0"/>
+              <a:t>Algorithms</a:t>
+            </a:r>
+            <a:endParaRPr lang="sr-Latn-RS" dirty="0"/>
+          </a:p>
+        </p:txBody>
+      </p:sp>
+      <p:sp>
+        <p:nvSpPr>
+          <p:cNvPr id="3" name="Content Placeholder 2"/>
+          <p:cNvSpPr>
+            <a:spLocks noGrp="1"/>
+          </p:cNvSpPr>
+          <p:nvPr>
+            <p:ph idx="1"/>
+          </p:nvPr>
+        </p:nvSpPr>
+        <p:spPr/>
+        <p:txBody>
+          <a:bodyPr/>
+          <a:lstStyle/>
+          <a:p>
+            <a:r>
+              <a:rPr lang="sr-Latn-RS" dirty="0" smtClean="0"/>
+              <a:t>Queue dispatching/scheduling</a:t>
+            </a:r>
+          </a:p>
+          <a:p>
+            <a:r>
+              <a:rPr lang="sr-Latn-RS" dirty="0" smtClean="0"/>
+              <a:t>Cost estimation</a:t>
+            </a:r>
+          </a:p>
+          <a:p>
+            <a:r>
+              <a:rPr lang="sr-Latn-RS" smtClean="0"/>
+              <a:t>Taxi zone determination</a:t>
+            </a:r>
+          </a:p>
+        </p:txBody>
+      </p:sp>
+    </p:spTree>
+    <p:extLst>
+      <p:ext uri="{BB962C8B-B14F-4D97-AF65-F5344CB8AC3E}">
+        <p14:creationId xmlns:p14="http://schemas.microsoft.com/office/powerpoint/2010/main" val="1051365613"/>
+      </p:ext>
+    </p:extLst>
+  </p:cSld>
+  <p:clrMapOvr>
+    <a:masterClrMapping/>
+  </p:clrMapOvr>
+</p:sld>
+</file>
+
+<file path=ppt/slides/slide19.xml><?xml version="1.0" encoding="utf-8"?>
+<p:sld xmlns:a="http://schemas.openxmlformats.org/drawingml/2006/main" xmlns:r="http://schemas.openxmlformats.org/officeDocument/2006/relationships" xmlns:p="http://schemas.openxmlformats.org/presentationml/2006/main">
+  <p:cSld>
+    <p:spTree>
+      <p:nvGrpSpPr>
+        <p:cNvPr id="1" name=""/>
+        <p:cNvGrpSpPr/>
+        <p:nvPr/>
+      </p:nvGrpSpPr>
+      <p:grpSpPr>
+        <a:xfrm>
+          <a:off x="0" y="0"/>
+          <a:ext cx="0" cy="0"/>
+          <a:chOff x="0" y="0"/>
+          <a:chExt cx="0" cy="0"/>
+        </a:xfrm>
+      </p:grpSpPr>
+      <p:sp>
+        <p:nvSpPr>
+          <p:cNvPr id="2" name="Title 1"/>
+          <p:cNvSpPr>
+            <a:spLocks noGrp="1"/>
+          </p:cNvSpPr>
+          <p:nvPr>
+            <p:ph type="title"/>
+          </p:nvPr>
+        </p:nvSpPr>
+        <p:spPr/>
+        <p:txBody>
+          <a:bodyPr/>
+          <a:lstStyle/>
+          <a:p>
+            <a:r>
+              <a:rPr lang="sr-Latn-RS" dirty="0" smtClean="0"/>
               <a:t>Java EE multitier</a:t>
             </a:r>
             <a:endParaRPr lang="sr-Latn-RS" dirty="0"/>
@@ -4082,7 +4170,69 @@
 </p:sld>
 </file>
 
-<file path=ppt/slides/slide19.xml><?xml version="1.0" encoding="utf-8"?>
+<file path=ppt/slides/slide2.xml><?xml version="1.0" encoding="utf-8"?>
+<p:sld xmlns:a="http://schemas.openxmlformats.org/drawingml/2006/main" xmlns:r="http://schemas.openxmlformats.org/officeDocument/2006/relationships" xmlns:p="http://schemas.openxmlformats.org/presentationml/2006/main">
+  <p:cSld>
+    <p:spTree>
+      <p:nvGrpSpPr>
+        <p:cNvPr id="1" name=""/>
+        <p:cNvGrpSpPr/>
+        <p:nvPr/>
+      </p:nvGrpSpPr>
+      <p:grpSpPr>
+        <a:xfrm>
+          <a:off x="0" y="0"/>
+          <a:ext cx="0" cy="0"/>
+          <a:chOff x="0" y="0"/>
+          <a:chExt cx="0" cy="0"/>
+        </a:xfrm>
+      </p:grpSpPr>
+      <p:sp>
+        <p:nvSpPr>
+          <p:cNvPr id="2" name="Title 1"/>
+          <p:cNvSpPr>
+            <a:spLocks noGrp="1"/>
+          </p:cNvSpPr>
+          <p:nvPr>
+            <p:ph type="title"/>
+          </p:nvPr>
+        </p:nvSpPr>
+        <p:spPr>
+          <a:xfrm>
+            <a:off x="1070212" y="2780779"/>
+            <a:ext cx="10515600" cy="1325563"/>
+          </a:xfrm>
+        </p:spPr>
+        <p:txBody>
+          <a:bodyPr/>
+          <a:lstStyle/>
+          <a:p>
+            <a:r>
+              <a:rPr lang="sr-Latn-RS" dirty="0" smtClean="0"/>
+              <a:t>High level </a:t>
+            </a:r>
+            <a:r>
+              <a:rPr lang="sr-Latn-RS" dirty="0" smtClean="0"/>
+              <a:t>architecture and component interaction</a:t>
+            </a:r>
+            <a:endParaRPr lang="sr-Latn-RS" dirty="0"/>
+          </a:p>
+        </p:txBody>
+      </p:sp>
+    </p:spTree>
+    <p:extLst>
+      <p:ext uri="{BB962C8B-B14F-4D97-AF65-F5344CB8AC3E}">
+        <p14:creationId xmlns:p14="http://schemas.microsoft.com/office/powerpoint/2010/main" val="2251371726"/>
+      </p:ext>
+    </p:extLst>
+  </p:cSld>
+  <p:clrMapOvr>
+    <a:masterClrMapping/>
+  </p:clrMapOvr>
+</p:sld>
+</file>
+
+<file path=ppt/slides/slide20.xml><?xml version="1.0" encoding="utf-8"?>
 <p:sld xmlns:a="http://schemas.openxmlformats.org/drawingml/2006/main" xmlns:r="http://schemas.openxmlformats.org/officeDocument/2006/relationships" xmlns:p="http://schemas.openxmlformats.org/presentationml/2006/main">
   <p:cSld>
     <p:spTree>
@@ -4187,73 +4337,7 @@
 </p:sld>
 </file>
 
-<file path=ppt/slides/slide2.xml><?xml version="1.0" encoding="utf-8"?>
-<p:sld xmlns:a="http://schemas.openxmlformats.org/drawingml/2006/main" xmlns:r="http://schemas.openxmlformats.org/officeDocument/2006/relationships" xmlns:p="http://schemas.openxmlformats.org/presentationml/2006/main">
-  <p:cSld>
-    <p:spTree>
-      <p:nvGrpSpPr>
-        <p:cNvPr id="1" name=""/>
-        <p:cNvGrpSpPr/>
-        <p:nvPr/>
-      </p:nvGrpSpPr>
-      <p:grpSpPr>
-        <a:xfrm>
-          <a:off x="0" y="0"/>
-          <a:ext cx="0" cy="0"/>
-          <a:chOff x="0" y="0"/>
-          <a:chExt cx="0" cy="0"/>
-        </a:xfrm>
-      </p:grpSpPr>
-      <p:sp>
-        <p:nvSpPr>
-          <p:cNvPr id="2" name="Title 1"/>
-          <p:cNvSpPr>
-            <a:spLocks noGrp="1"/>
-          </p:cNvSpPr>
-          <p:nvPr>
-            <p:ph type="title"/>
-          </p:nvPr>
-        </p:nvSpPr>
-        <p:spPr>
-          <a:xfrm>
-            <a:off x="1070212" y="2780779"/>
-            <a:ext cx="10515600" cy="1325563"/>
-          </a:xfrm>
-        </p:spPr>
-        <p:txBody>
-          <a:bodyPr/>
-          <a:lstStyle/>
-          <a:p>
-            <a:r>
-              <a:rPr lang="sr-Latn-RS" dirty="0" smtClean="0"/>
-              <a:t>High </a:t>
-            </a:r>
-            <a:r>
-              <a:rPr lang="sr-Latn-RS" smtClean="0"/>
-              <a:t>level </a:t>
-            </a:r>
-            <a:r>
-              <a:rPr lang="sr-Latn-RS" smtClean="0"/>
-              <a:t>architecture and component interaction</a:t>
-            </a:r>
-            <a:endParaRPr lang="sr-Latn-RS" dirty="0"/>
-          </a:p>
-        </p:txBody>
-      </p:sp>
-    </p:spTree>
-    <p:extLst>
-      <p:ext uri="{BB962C8B-B14F-4D97-AF65-F5344CB8AC3E}">
-        <p14:creationId xmlns:p14="http://schemas.microsoft.com/office/powerpoint/2010/main" val="2251371726"/>
-      </p:ext>
-    </p:extLst>
-  </p:cSld>
-  <p:clrMapOvr>
-    <a:masterClrMapping/>
-  </p:clrMapOvr>
-</p:sld>
-</file>
-
-<file path=ppt/slides/slide20.xml><?xml version="1.0" encoding="utf-8"?>
+<file path=ppt/slides/slide21.xml><?xml version="1.0" encoding="utf-8"?>
 <p:sld xmlns:a="http://schemas.openxmlformats.org/drawingml/2006/main" xmlns:r="http://schemas.openxmlformats.org/officeDocument/2006/relationships" xmlns:p="http://schemas.openxmlformats.org/presentationml/2006/main">
   <p:cSld>
     <p:spTree>
@@ -4358,7 +4442,7 @@
 </p:sld>
 </file>
 
-<file path=ppt/slides/slide21.xml><?xml version="1.0" encoding="utf-8"?>
+<file path=ppt/slides/slide22.xml><?xml version="1.0" encoding="utf-8"?>
 <p:sld xmlns:a="http://schemas.openxmlformats.org/drawingml/2006/main" xmlns:r="http://schemas.openxmlformats.org/officeDocument/2006/relationships" xmlns:p="http://schemas.openxmlformats.org/presentationml/2006/main">
   <p:cSld>
     <p:spTree>

--- a/Deliveries/Presentations/DD pres.pptx
+++ b/Deliveries/Presentations/DD pres.pptx
@@ -4061,7 +4061,7 @@
           </a:p>
           <a:p>
             <a:r>
-              <a:rPr lang="sr-Latn-RS" smtClean="0"/>
+              <a:rPr lang="sr-Latn-RS" dirty="0" smtClean="0"/>
               <a:t>Taxi zone determination</a:t>
             </a:r>
           </a:p>
